--- a/netduino codecamp.pptx
+++ b/netduino codecamp.pptx
@@ -4998,6 +4998,9 @@
               <a:rPr lang="en-US" dirty="0" smtClean="0"/>
               <a:t> in scope</a:t>
             </a:r>
+          </a:p>
+          <a:p>
+            <a:endParaRPr lang="en-US" dirty="0" smtClean="0"/>
           </a:p>
           <a:p>
             <a:endParaRPr lang="en-US" dirty="0"/>

--- a/netduino codecamp.pptx
+++ b/netduino codecamp.pptx
@@ -201,7 +201,7 @@
           <a:p>
             <a:fld id="{11C7645C-21D8-44A1-AB83-846037E22818}" type="datetimeFigureOut">
               <a:rPr lang="en-US" smtClean="0"/>
-              <a:t>4/1/2014</a:t>
+              <a:t>4/2/2014</a:t>
             </a:fld>
             <a:endParaRPr lang="en-US"/>
           </a:p>
@@ -741,7 +741,7 @@
           <a:p>
             <a:fld id="{199575C5-FCE7-4EF4-9805-A73C25F656DE}" type="datetimeFigureOut">
               <a:rPr lang="en-US" smtClean="0"/>
-              <a:t>4/1/2014</a:t>
+              <a:t>4/2/2014</a:t>
             </a:fld>
             <a:endParaRPr lang="en-US"/>
           </a:p>
@@ -941,7 +941,7 @@
           <a:p>
             <a:fld id="{199575C5-FCE7-4EF4-9805-A73C25F656DE}" type="datetimeFigureOut">
               <a:rPr lang="en-US" smtClean="0"/>
-              <a:t>4/1/2014</a:t>
+              <a:t>4/2/2014</a:t>
             </a:fld>
             <a:endParaRPr lang="en-US"/>
           </a:p>
@@ -1116,7 +1116,7 @@
           <a:p>
             <a:fld id="{199575C5-FCE7-4EF4-9805-A73C25F656DE}" type="datetimeFigureOut">
               <a:rPr lang="en-US" smtClean="0"/>
-              <a:t>4/1/2014</a:t>
+              <a:t>4/2/2014</a:t>
             </a:fld>
             <a:endParaRPr lang="en-US"/>
           </a:p>
@@ -1281,7 +1281,7 @@
           <a:p>
             <a:fld id="{199575C5-FCE7-4EF4-9805-A73C25F656DE}" type="datetimeFigureOut">
               <a:rPr lang="en-US" smtClean="0"/>
-              <a:t>4/1/2014</a:t>
+              <a:t>4/2/2014</a:t>
             </a:fld>
             <a:endParaRPr lang="en-US"/>
           </a:p>
@@ -1529,7 +1529,7 @@
           <a:p>
             <a:fld id="{199575C5-FCE7-4EF4-9805-A73C25F656DE}" type="datetimeFigureOut">
               <a:rPr lang="en-US" smtClean="0"/>
-              <a:t>4/1/2014</a:t>
+              <a:t>4/2/2014</a:t>
             </a:fld>
             <a:endParaRPr lang="en-US"/>
           </a:p>
@@ -1847,7 +1847,7 @@
           <a:p>
             <a:fld id="{199575C5-FCE7-4EF4-9805-A73C25F656DE}" type="datetimeFigureOut">
               <a:rPr lang="en-US" smtClean="0"/>
-              <a:t>4/1/2014</a:t>
+              <a:t>4/2/2014</a:t>
             </a:fld>
             <a:endParaRPr lang="en-US"/>
           </a:p>
@@ -2313,7 +2313,7 @@
           <a:p>
             <a:fld id="{199575C5-FCE7-4EF4-9805-A73C25F656DE}" type="datetimeFigureOut">
               <a:rPr lang="en-US" smtClean="0"/>
-              <a:t>4/1/2014</a:t>
+              <a:t>4/2/2014</a:t>
             </a:fld>
             <a:endParaRPr lang="en-US"/>
           </a:p>
@@ -2461,7 +2461,7 @@
           <a:p>
             <a:fld id="{199575C5-FCE7-4EF4-9805-A73C25F656DE}" type="datetimeFigureOut">
               <a:rPr lang="en-US" smtClean="0"/>
-              <a:t>4/1/2014</a:t>
+              <a:t>4/2/2014</a:t>
             </a:fld>
             <a:endParaRPr lang="en-US"/>
           </a:p>
@@ -2551,7 +2551,7 @@
           <a:p>
             <a:fld id="{199575C5-FCE7-4EF4-9805-A73C25F656DE}" type="datetimeFigureOut">
               <a:rPr lang="en-US" smtClean="0"/>
-              <a:t>4/1/2014</a:t>
+              <a:t>4/2/2014</a:t>
             </a:fld>
             <a:endParaRPr lang="en-US"/>
           </a:p>
@@ -2825,7 +2825,7 @@
           <a:p>
             <a:fld id="{199575C5-FCE7-4EF4-9805-A73C25F656DE}" type="datetimeFigureOut">
               <a:rPr lang="en-US" smtClean="0"/>
-              <a:t>4/1/2014</a:t>
+              <a:t>4/2/2014</a:t>
             </a:fld>
             <a:endParaRPr lang="en-US"/>
           </a:p>
@@ -3130,7 +3130,7 @@
           <a:p>
             <a:fld id="{199575C5-FCE7-4EF4-9805-A73C25F656DE}" type="datetimeFigureOut">
               <a:rPr lang="en-US" smtClean="0"/>
-              <a:t>4/1/2014</a:t>
+              <a:t>4/2/2014</a:t>
             </a:fld>
             <a:endParaRPr lang="en-US"/>
           </a:p>
@@ -3428,7 +3428,7 @@
           <a:p>
             <a:fld id="{199575C5-FCE7-4EF4-9805-A73C25F656DE}" type="datetimeFigureOut">
               <a:rPr lang="en-US" smtClean="0"/>
-              <a:t>4/1/2014</a:t>
+              <a:t>4/2/2014</a:t>
             </a:fld>
             <a:endParaRPr lang="en-US"/>
           </a:p>
@@ -3955,9 +3955,25 @@
           <a:bodyPr/>
           <a:lstStyle/>
           <a:p>
+            <a:endParaRPr lang="en-US" dirty="0" smtClean="0"/>
+          </a:p>
+          <a:p>
+            <a:r>
+              <a:rPr lang="en-US" smtClean="0"/>
+              <a:t>Go Make Something!</a:t>
+            </a:r>
+          </a:p>
+          <a:p>
+            <a:endParaRPr lang="en-US" dirty="0" smtClean="0"/>
+          </a:p>
+          <a:p>
+            <a:r>
+              <a:rPr lang="en-US" dirty="0" smtClean="0"/>
+              <a:t>Follow </a:t>
+            </a:r>
             <a:r>
               <a:rPr lang="en-US" dirty="0"/>
-              <a:t>Follow me @</a:t>
+              <a:t>me @</a:t>
             </a:r>
             <a:r>
               <a:rPr lang="en-US" dirty="0" err="1"/>

--- a/netduino codecamp.pptx
+++ b/netduino codecamp.pptx
@@ -201,7 +201,7 @@
           <a:p>
             <a:fld id="{11C7645C-21D8-44A1-AB83-846037E22818}" type="datetimeFigureOut">
               <a:rPr lang="en-US" smtClean="0"/>
-              <a:t>4/2/2014</a:t>
+              <a:t>4/3/2014</a:t>
             </a:fld>
             <a:endParaRPr lang="en-US"/>
           </a:p>
@@ -741,7 +741,7 @@
           <a:p>
             <a:fld id="{199575C5-FCE7-4EF4-9805-A73C25F656DE}" type="datetimeFigureOut">
               <a:rPr lang="en-US" smtClean="0"/>
-              <a:t>4/2/2014</a:t>
+              <a:t>4/3/2014</a:t>
             </a:fld>
             <a:endParaRPr lang="en-US"/>
           </a:p>
@@ -941,7 +941,7 @@
           <a:p>
             <a:fld id="{199575C5-FCE7-4EF4-9805-A73C25F656DE}" type="datetimeFigureOut">
               <a:rPr lang="en-US" smtClean="0"/>
-              <a:t>4/2/2014</a:t>
+              <a:t>4/3/2014</a:t>
             </a:fld>
             <a:endParaRPr lang="en-US"/>
           </a:p>
@@ -1116,7 +1116,7 @@
           <a:p>
             <a:fld id="{199575C5-FCE7-4EF4-9805-A73C25F656DE}" type="datetimeFigureOut">
               <a:rPr lang="en-US" smtClean="0"/>
-              <a:t>4/2/2014</a:t>
+              <a:t>4/3/2014</a:t>
             </a:fld>
             <a:endParaRPr lang="en-US"/>
           </a:p>
@@ -1281,7 +1281,7 @@
           <a:p>
             <a:fld id="{199575C5-FCE7-4EF4-9805-A73C25F656DE}" type="datetimeFigureOut">
               <a:rPr lang="en-US" smtClean="0"/>
-              <a:t>4/2/2014</a:t>
+              <a:t>4/3/2014</a:t>
             </a:fld>
             <a:endParaRPr lang="en-US"/>
           </a:p>
@@ -1529,7 +1529,7 @@
           <a:p>
             <a:fld id="{199575C5-FCE7-4EF4-9805-A73C25F656DE}" type="datetimeFigureOut">
               <a:rPr lang="en-US" smtClean="0"/>
-              <a:t>4/2/2014</a:t>
+              <a:t>4/3/2014</a:t>
             </a:fld>
             <a:endParaRPr lang="en-US"/>
           </a:p>
@@ -1847,7 +1847,7 @@
           <a:p>
             <a:fld id="{199575C5-FCE7-4EF4-9805-A73C25F656DE}" type="datetimeFigureOut">
               <a:rPr lang="en-US" smtClean="0"/>
-              <a:t>4/2/2014</a:t>
+              <a:t>4/3/2014</a:t>
             </a:fld>
             <a:endParaRPr lang="en-US"/>
           </a:p>
@@ -2313,7 +2313,7 @@
           <a:p>
             <a:fld id="{199575C5-FCE7-4EF4-9805-A73C25F656DE}" type="datetimeFigureOut">
               <a:rPr lang="en-US" smtClean="0"/>
-              <a:t>4/2/2014</a:t>
+              <a:t>4/3/2014</a:t>
             </a:fld>
             <a:endParaRPr lang="en-US"/>
           </a:p>
@@ -2461,7 +2461,7 @@
           <a:p>
             <a:fld id="{199575C5-FCE7-4EF4-9805-A73C25F656DE}" type="datetimeFigureOut">
               <a:rPr lang="en-US" smtClean="0"/>
-              <a:t>4/2/2014</a:t>
+              <a:t>4/3/2014</a:t>
             </a:fld>
             <a:endParaRPr lang="en-US"/>
           </a:p>
@@ -2551,7 +2551,7 @@
           <a:p>
             <a:fld id="{199575C5-FCE7-4EF4-9805-A73C25F656DE}" type="datetimeFigureOut">
               <a:rPr lang="en-US" smtClean="0"/>
-              <a:t>4/2/2014</a:t>
+              <a:t>4/3/2014</a:t>
             </a:fld>
             <a:endParaRPr lang="en-US"/>
           </a:p>
@@ -2825,7 +2825,7 @@
           <a:p>
             <a:fld id="{199575C5-FCE7-4EF4-9805-A73C25F656DE}" type="datetimeFigureOut">
               <a:rPr lang="en-US" smtClean="0"/>
-              <a:t>4/2/2014</a:t>
+              <a:t>4/3/2014</a:t>
             </a:fld>
             <a:endParaRPr lang="en-US"/>
           </a:p>
@@ -3130,7 +3130,7 @@
           <a:p>
             <a:fld id="{199575C5-FCE7-4EF4-9805-A73C25F656DE}" type="datetimeFigureOut">
               <a:rPr lang="en-US" smtClean="0"/>
-              <a:t>4/2/2014</a:t>
+              <a:t>4/3/2014</a:t>
             </a:fld>
             <a:endParaRPr lang="en-US"/>
           </a:p>
@@ -3428,7 +3428,7 @@
           <a:p>
             <a:fld id="{199575C5-FCE7-4EF4-9805-A73C25F656DE}" type="datetimeFigureOut">
               <a:rPr lang="en-US" smtClean="0"/>
-              <a:t>4/2/2014</a:t>
+              <a:t>4/3/2014</a:t>
             </a:fld>
             <a:endParaRPr lang="en-US"/>
           </a:p>
@@ -4852,8 +4852,23 @@
           <a:p>
             <a:r>
               <a:rPr lang="en-US" dirty="0" smtClean="0"/>
-              <a:t>No generics (and no LINQ)</a:t>
-            </a:r>
+              <a:t>No generics (and no LINQ</a:t>
+            </a:r>
+            <a:r>
+              <a:rPr lang="en-US" dirty="0" smtClean="0"/>
+              <a:t>)</a:t>
+            </a:r>
+          </a:p>
+          <a:p>
+            <a:r>
+              <a:rPr lang="en-US" dirty="0" smtClean="0"/>
+              <a:t>Watch analog inputs – can cause </a:t>
+            </a:r>
+            <a:r>
+              <a:rPr lang="en-US" smtClean="0"/>
+              <a:t>reboot problems</a:t>
+            </a:r>
+            <a:endParaRPr lang="en-US" dirty="0" smtClean="0"/>
           </a:p>
           <a:p>
             <a:endParaRPr lang="en-US" dirty="0" smtClean="0"/>
